--- a/13-The-Next-App/02-App-Challenges.pptx
+++ b/13-The-Next-App/02-App-Challenges.pptx
@@ -17,9 +17,9 @@
     <p:sldId id="302" r:id="rId5"/>
     <p:sldId id="303" r:id="rId6"/>
     <p:sldId id="304" r:id="rId7"/>
-    <p:sldId id="306" r:id="rId8"/>
-    <p:sldId id="307" r:id="rId9"/>
-    <p:sldId id="308" r:id="rId10"/>
+    <p:sldId id="305" r:id="rId8"/>
+    <p:sldId id="306" r:id="rId9"/>
+    <p:sldId id="307" r:id="rId10"/>
   </p:sldIdLst>
   <p:sldSz cx="9144000" cy="6858000" type="screen4x3"/>
   <p:notesSz cx="6858000" cy="9144000"/>
@@ -226,7 +226,7 @@
           <a:p>
             <a:fld id="{A46CB205-DB7A-4E82-ACCC-8D6B1E676091}" type="datetimeFigureOut">
               <a:rPr lang="en-US" smtClean="0"/>
-              <a:t>10/16/2017</a:t>
+              <a:t>10/17/2017</a:t>
             </a:fld>
             <a:endParaRPr lang="en-US"/>
           </a:p>
@@ -391,7 +391,7 @@
           <a:p>
             <a:fld id="{B2C0E428-1BEE-4A93-9F4D-553B85161DE7}" type="datetimeFigureOut">
               <a:rPr lang="en-US" smtClean="0"/>
-              <a:t>10/16/2017</a:t>
+              <a:t>10/17/2017</a:t>
             </a:fld>
             <a:endParaRPr lang="en-US"/>
           </a:p>
@@ -913,7 +913,7 @@
           <a:p>
             <a:fld id="{64AC52D6-6171-4E55-BA4D-986D1942EAAE}" type="datetimeFigureOut">
               <a:rPr lang="id-ID" smtClean="0"/>
-              <a:t>16/10/2017</a:t>
+              <a:t>17/10/2017</a:t>
             </a:fld>
             <a:endParaRPr lang="id-ID"/>
           </a:p>
@@ -1237,7 +1237,7 @@
           <a:p>
             <a:fld id="{64AC52D6-6171-4E55-BA4D-986D1942EAAE}" type="datetimeFigureOut">
               <a:rPr lang="id-ID" smtClean="0"/>
-              <a:t>16/10/2017</a:t>
+              <a:t>17/10/2017</a:t>
             </a:fld>
             <a:endParaRPr lang="id-ID"/>
           </a:p>
@@ -1437,7 +1437,7 @@
           <a:p>
             <a:fld id="{64AC52D6-6171-4E55-BA4D-986D1942EAAE}" type="datetimeFigureOut">
               <a:rPr lang="id-ID" smtClean="0"/>
-              <a:t>16/10/2017</a:t>
+              <a:t>17/10/2017</a:t>
             </a:fld>
             <a:endParaRPr lang="id-ID"/>
           </a:p>
@@ -1647,7 +1647,7 @@
           <a:p>
             <a:fld id="{64AC52D6-6171-4E55-BA4D-986D1942EAAE}" type="datetimeFigureOut">
               <a:rPr lang="id-ID" smtClean="0"/>
-              <a:t>16/10/2017</a:t>
+              <a:t>17/10/2017</a:t>
             </a:fld>
             <a:endParaRPr lang="id-ID"/>
           </a:p>
@@ -1892,7 +1892,7 @@
           <a:p>
             <a:fld id="{64AC52D6-6171-4E55-BA4D-986D1942EAAE}" type="datetimeFigureOut">
               <a:rPr lang="id-ID" smtClean="0"/>
-              <a:t>16/10/2017</a:t>
+              <a:t>17/10/2017</a:t>
             </a:fld>
             <a:endParaRPr lang="id-ID"/>
           </a:p>
@@ -2063,7 +2063,7 @@
           <a:p>
             <a:fld id="{64AC52D6-6171-4E55-BA4D-986D1942EAAE}" type="datetimeFigureOut">
               <a:rPr lang="id-ID" smtClean="0"/>
-              <a:t>16/10/2017</a:t>
+              <a:t>17/10/2017</a:t>
             </a:fld>
             <a:endParaRPr lang="id-ID"/>
           </a:p>
@@ -2494,7 +2494,7 @@
           <a:p>
             <a:fld id="{64AC52D6-6171-4E55-BA4D-986D1942EAAE}" type="datetimeFigureOut">
               <a:rPr lang="id-ID" smtClean="0"/>
-              <a:t>16/10/2017</a:t>
+              <a:t>17/10/2017</a:t>
             </a:fld>
             <a:endParaRPr lang="id-ID"/>
           </a:p>
@@ -2828,7 +2828,7 @@
           <a:p>
             <a:fld id="{64AC52D6-6171-4E55-BA4D-986D1942EAAE}" type="datetimeFigureOut">
               <a:rPr lang="id-ID" smtClean="0"/>
-              <a:t>16/10/2017</a:t>
+              <a:t>17/10/2017</a:t>
             </a:fld>
             <a:endParaRPr lang="id-ID"/>
           </a:p>
@@ -3305,7 +3305,7 @@
           <a:p>
             <a:fld id="{64AC52D6-6171-4E55-BA4D-986D1942EAAE}" type="datetimeFigureOut">
               <a:rPr lang="id-ID" smtClean="0"/>
-              <a:t>16/10/2017</a:t>
+              <a:t>17/10/2017</a:t>
             </a:fld>
             <a:endParaRPr lang="id-ID"/>
           </a:p>
@@ -3453,7 +3453,7 @@
           <a:p>
             <a:fld id="{64AC52D6-6171-4E55-BA4D-986D1942EAAE}" type="datetimeFigureOut">
               <a:rPr lang="id-ID" smtClean="0"/>
-              <a:t>16/10/2017</a:t>
+              <a:t>17/10/2017</a:t>
             </a:fld>
             <a:endParaRPr lang="id-ID"/>
           </a:p>
@@ -3578,7 +3578,7 @@
           <a:p>
             <a:fld id="{64AC52D6-6171-4E55-BA4D-986D1942EAAE}" type="datetimeFigureOut">
               <a:rPr lang="id-ID" smtClean="0"/>
-              <a:t>16/10/2017</a:t>
+              <a:t>17/10/2017</a:t>
             </a:fld>
             <a:endParaRPr lang="id-ID"/>
           </a:p>
@@ -3885,7 +3885,7 @@
           <a:p>
             <a:fld id="{64AC52D6-6171-4E55-BA4D-986D1942EAAE}" type="datetimeFigureOut">
               <a:rPr lang="id-ID" smtClean="0"/>
-              <a:t>16/10/2017</a:t>
+              <a:t>17/10/2017</a:t>
             </a:fld>
             <a:endParaRPr lang="id-ID"/>
           </a:p>
@@ -4096,7 +4096,7 @@
           <a:p>
             <a:fld id="{64AC52D6-6171-4E55-BA4D-986D1942EAAE}" type="datetimeFigureOut">
               <a:rPr lang="id-ID" smtClean="0"/>
-              <a:t>16/10/2017</a:t>
+              <a:t>17/10/2017</a:t>
             </a:fld>
             <a:endParaRPr lang="id-ID"/>
           </a:p>
@@ -4646,7 +4646,7 @@
           <p:cNvPr id="2" name="Title 1">
             <a:extLst>
               <a:ext uri="{FF2B5EF4-FFF2-40B4-BE49-F238E27FC236}">
-                <a16:creationId xmlns:a16="http://schemas.microsoft.com/office/drawing/2014/main" id="{8CFE4F9F-0E6F-45B5-842A-E7B582882E92}"/>
+                <a16:creationId xmlns:a16="http://schemas.microsoft.com/office/drawing/2014/main" id="{11B4E8F4-44AC-498E-987F-681446373C05}"/>
               </a:ext>
             </a:extLst>
           </p:cNvPr>
@@ -4664,7 +4664,100 @@
           <a:p>
             <a:r>
               <a:rPr lang="en-US" dirty="0"/>
-              <a:t>Introduction</a:t>
+              <a:t>The Challenges</a:t>
+            </a:r>
+          </a:p>
+        </p:txBody>
+      </p:sp>
+      <p:pic>
+        <p:nvPicPr>
+          <p:cNvPr id="4" name="Content Placeholder 3">
+            <a:extLst>
+              <a:ext uri="{FF2B5EF4-FFF2-40B4-BE49-F238E27FC236}">
+                <a16:creationId xmlns:a16="http://schemas.microsoft.com/office/drawing/2014/main" id="{65C328ED-FE5C-46BD-BB37-5A3050340636}"/>
+              </a:ext>
+            </a:extLst>
+          </p:cNvPr>
+          <p:cNvPicPr>
+            <a:picLocks noGrp="1" noChangeAspect="1"/>
+          </p:cNvPicPr>
+          <p:nvPr>
+            <p:ph idx="1"/>
+          </p:nvPr>
+        </p:nvPicPr>
+        <p:blipFill>
+          <a:blip r:embed="rId2"/>
+          <a:stretch>
+            <a:fillRect/>
+          </a:stretch>
+        </p:blipFill>
+        <p:spPr>
+          <a:xfrm>
+            <a:off x="1234926" y="1825625"/>
+            <a:ext cx="6674147" cy="4168775"/>
+          </a:xfrm>
+          <a:prstGeom prst="rect">
+            <a:avLst/>
+          </a:prstGeom>
+        </p:spPr>
+      </p:pic>
+    </p:spTree>
+    <p:extLst>
+      <p:ext uri="{BB962C8B-B14F-4D97-AF65-F5344CB8AC3E}">
+        <p14:creationId xmlns:p14="http://schemas.microsoft.com/office/powerpoint/2010/main" val="1868791440"/>
+      </p:ext>
+    </p:extLst>
+  </p:cSld>
+  <p:clrMapOvr>
+    <a:masterClrMapping/>
+  </p:clrMapOvr>
+  <p:transition spd="slow">
+    <p:push dir="u"/>
+  </p:transition>
+</p:sld>
+</file>
+
+<file path=ppt/slides/slide3.xml><?xml version="1.0" encoding="utf-8"?>
+<p:sld xmlns:a="http://schemas.openxmlformats.org/drawingml/2006/main" xmlns:r="http://schemas.openxmlformats.org/officeDocument/2006/relationships" xmlns:p="http://schemas.openxmlformats.org/presentationml/2006/main">
+  <p:cSld>
+    <p:spTree>
+      <p:nvGrpSpPr>
+        <p:cNvPr id="1" name=""/>
+        <p:cNvGrpSpPr/>
+        <p:nvPr/>
+      </p:nvGrpSpPr>
+      <p:grpSpPr>
+        <a:xfrm>
+          <a:off x="0" y="0"/>
+          <a:ext cx="0" cy="0"/>
+          <a:chOff x="0" y="0"/>
+          <a:chExt cx="0" cy="0"/>
+        </a:xfrm>
+      </p:grpSpPr>
+      <p:sp>
+        <p:nvSpPr>
+          <p:cNvPr id="2" name="Title 1">
+            <a:extLst>
+              <a:ext uri="{FF2B5EF4-FFF2-40B4-BE49-F238E27FC236}">
+                <a16:creationId xmlns:a16="http://schemas.microsoft.com/office/drawing/2014/main" id="{5210131D-E030-43E5-876F-A19F95C043A1}"/>
+              </a:ext>
+            </a:extLst>
+          </p:cNvPr>
+          <p:cNvSpPr>
+            <a:spLocks noGrp="1"/>
+          </p:cNvSpPr>
+          <p:nvPr>
+            <p:ph type="title"/>
+          </p:nvPr>
+        </p:nvSpPr>
+        <p:spPr/>
+        <p:txBody>
+          <a:bodyPr/>
+          <a:lstStyle/>
+          <a:p>
+            <a:r>
+              <a:rPr lang="en-US" dirty="0"/>
+              <a:t>Login Form</a:t>
             </a:r>
           </a:p>
         </p:txBody>
@@ -4674,7 +4767,7 @@
           <p:cNvPr id="3" name="Content Placeholder 2">
             <a:extLst>
               <a:ext uri="{FF2B5EF4-FFF2-40B4-BE49-F238E27FC236}">
-                <a16:creationId xmlns:a16="http://schemas.microsoft.com/office/drawing/2014/main" id="{0C9425F9-8AC6-4B5B-A0DA-01555BCBC23D}"/>
+                <a16:creationId xmlns:a16="http://schemas.microsoft.com/office/drawing/2014/main" id="{EB2ADCFA-1592-43A4-B855-8A78B83666C1}"/>
               </a:ext>
             </a:extLst>
           </p:cNvPr>
@@ -4692,25 +4785,19 @@
           <a:p>
             <a:r>
               <a:rPr lang="en-US" dirty="0"/>
-              <a:t>After all the app that we made, there’s one important things that we don’t handle yet</a:t>
+              <a:t>We’ve already made a login form previously</a:t>
             </a:r>
           </a:p>
           <a:p>
             <a:r>
               <a:rPr lang="en-US" dirty="0"/>
-              <a:t>That is Navigation</a:t>
+              <a:t>But that was a stand alone React component that have no basis of Redux</a:t>
             </a:r>
           </a:p>
           <a:p>
             <a:r>
               <a:rPr lang="en-US" dirty="0"/>
-              <a:t>The ability for a user to move around to different pages in our app</a:t>
-            </a:r>
-          </a:p>
-          <a:p>
-            <a:r>
-              <a:rPr lang="en-US" dirty="0"/>
-              <a:t>They can see different content as they navigate around</a:t>
+              <a:t>Do we have to make changes to the login form to suit how Redux works?</a:t>
             </a:r>
           </a:p>
         </p:txBody>
@@ -4718,7 +4805,586 @@
     </p:spTree>
     <p:extLst>
       <p:ext uri="{BB962C8B-B14F-4D97-AF65-F5344CB8AC3E}">
-        <p14:creationId xmlns:p14="http://schemas.microsoft.com/office/powerpoint/2010/main" val="2198620827"/>
+        <p14:creationId xmlns:p14="http://schemas.microsoft.com/office/powerpoint/2010/main" val="1118444426"/>
+      </p:ext>
+    </p:extLst>
+  </p:cSld>
+  <p:clrMapOvr>
+    <a:masterClrMapping/>
+  </p:clrMapOvr>
+  <p:transition spd="slow">
+    <p:push dir="u"/>
+  </p:transition>
+  <p:timing>
+    <p:tnLst>
+      <p:par>
+        <p:cTn id="1" dur="indefinite" restart="never" nodeType="tmRoot">
+          <p:childTnLst>
+            <p:seq concurrent="1" nextAc="seek">
+              <p:cTn id="2" dur="indefinite" nodeType="mainSeq">
+                <p:childTnLst>
+                  <p:par>
+                    <p:cTn id="3" fill="hold">
+                      <p:stCondLst>
+                        <p:cond delay="indefinite"/>
+                      </p:stCondLst>
+                      <p:childTnLst>
+                        <p:par>
+                          <p:cTn id="4" fill="hold">
+                            <p:stCondLst>
+                              <p:cond delay="0"/>
+                            </p:stCondLst>
+                            <p:childTnLst>
+                              <p:par>
+                                <p:cTn id="5" presetID="10" presetClass="entr" presetSubtype="0" fill="hold" grpId="0" nodeType="clickEffect">
+                                  <p:stCondLst>
+                                    <p:cond delay="0"/>
+                                  </p:stCondLst>
+                                  <p:childTnLst>
+                                    <p:set>
+                                      <p:cBhvr>
+                                        <p:cTn id="6" dur="1" fill="hold">
+                                          <p:stCondLst>
+                                            <p:cond delay="0"/>
+                                          </p:stCondLst>
+                                        </p:cTn>
+                                        <p:tgtEl>
+                                          <p:spTgt spid="3">
+                                            <p:txEl>
+                                              <p:pRg st="0" end="0"/>
+                                            </p:txEl>
+                                          </p:spTgt>
+                                        </p:tgtEl>
+                                        <p:attrNameLst>
+                                          <p:attrName>style.visibility</p:attrName>
+                                        </p:attrNameLst>
+                                      </p:cBhvr>
+                                      <p:to>
+                                        <p:strVal val="visible"/>
+                                      </p:to>
+                                    </p:set>
+                                    <p:animEffect transition="in" filter="fade">
+                                      <p:cBhvr>
+                                        <p:cTn id="7" dur="500"/>
+                                        <p:tgtEl>
+                                          <p:spTgt spid="3">
+                                            <p:txEl>
+                                              <p:pRg st="0" end="0"/>
+                                            </p:txEl>
+                                          </p:spTgt>
+                                        </p:tgtEl>
+                                      </p:cBhvr>
+                                    </p:animEffect>
+                                  </p:childTnLst>
+                                </p:cTn>
+                              </p:par>
+                            </p:childTnLst>
+                          </p:cTn>
+                        </p:par>
+                      </p:childTnLst>
+                    </p:cTn>
+                  </p:par>
+                  <p:par>
+                    <p:cTn id="8" fill="hold">
+                      <p:stCondLst>
+                        <p:cond delay="indefinite"/>
+                      </p:stCondLst>
+                      <p:childTnLst>
+                        <p:par>
+                          <p:cTn id="9" fill="hold">
+                            <p:stCondLst>
+                              <p:cond delay="0"/>
+                            </p:stCondLst>
+                            <p:childTnLst>
+                              <p:par>
+                                <p:cTn id="10" presetID="10" presetClass="entr" presetSubtype="0" fill="hold" grpId="0" nodeType="clickEffect">
+                                  <p:stCondLst>
+                                    <p:cond delay="0"/>
+                                  </p:stCondLst>
+                                  <p:childTnLst>
+                                    <p:set>
+                                      <p:cBhvr>
+                                        <p:cTn id="11" dur="1" fill="hold">
+                                          <p:stCondLst>
+                                            <p:cond delay="0"/>
+                                          </p:stCondLst>
+                                        </p:cTn>
+                                        <p:tgtEl>
+                                          <p:spTgt spid="3">
+                                            <p:txEl>
+                                              <p:pRg st="1" end="1"/>
+                                            </p:txEl>
+                                          </p:spTgt>
+                                        </p:tgtEl>
+                                        <p:attrNameLst>
+                                          <p:attrName>style.visibility</p:attrName>
+                                        </p:attrNameLst>
+                                      </p:cBhvr>
+                                      <p:to>
+                                        <p:strVal val="visible"/>
+                                      </p:to>
+                                    </p:set>
+                                    <p:animEffect transition="in" filter="fade">
+                                      <p:cBhvr>
+                                        <p:cTn id="12" dur="500"/>
+                                        <p:tgtEl>
+                                          <p:spTgt spid="3">
+                                            <p:txEl>
+                                              <p:pRg st="1" end="1"/>
+                                            </p:txEl>
+                                          </p:spTgt>
+                                        </p:tgtEl>
+                                      </p:cBhvr>
+                                    </p:animEffect>
+                                  </p:childTnLst>
+                                </p:cTn>
+                              </p:par>
+                            </p:childTnLst>
+                          </p:cTn>
+                        </p:par>
+                      </p:childTnLst>
+                    </p:cTn>
+                  </p:par>
+                  <p:par>
+                    <p:cTn id="13" fill="hold">
+                      <p:stCondLst>
+                        <p:cond delay="indefinite"/>
+                      </p:stCondLst>
+                      <p:childTnLst>
+                        <p:par>
+                          <p:cTn id="14" fill="hold">
+                            <p:stCondLst>
+                              <p:cond delay="0"/>
+                            </p:stCondLst>
+                            <p:childTnLst>
+                              <p:par>
+                                <p:cTn id="15" presetID="10" presetClass="entr" presetSubtype="0" fill="hold" grpId="0" nodeType="clickEffect">
+                                  <p:stCondLst>
+                                    <p:cond delay="0"/>
+                                  </p:stCondLst>
+                                  <p:childTnLst>
+                                    <p:set>
+                                      <p:cBhvr>
+                                        <p:cTn id="16" dur="1" fill="hold">
+                                          <p:stCondLst>
+                                            <p:cond delay="0"/>
+                                          </p:stCondLst>
+                                        </p:cTn>
+                                        <p:tgtEl>
+                                          <p:spTgt spid="3">
+                                            <p:txEl>
+                                              <p:pRg st="2" end="2"/>
+                                            </p:txEl>
+                                          </p:spTgt>
+                                        </p:tgtEl>
+                                        <p:attrNameLst>
+                                          <p:attrName>style.visibility</p:attrName>
+                                        </p:attrNameLst>
+                                      </p:cBhvr>
+                                      <p:to>
+                                        <p:strVal val="visible"/>
+                                      </p:to>
+                                    </p:set>
+                                    <p:animEffect transition="in" filter="fade">
+                                      <p:cBhvr>
+                                        <p:cTn id="17" dur="500"/>
+                                        <p:tgtEl>
+                                          <p:spTgt spid="3">
+                                            <p:txEl>
+                                              <p:pRg st="2" end="2"/>
+                                            </p:txEl>
+                                          </p:spTgt>
+                                        </p:tgtEl>
+                                      </p:cBhvr>
+                                    </p:animEffect>
+                                  </p:childTnLst>
+                                </p:cTn>
+                              </p:par>
+                            </p:childTnLst>
+                          </p:cTn>
+                        </p:par>
+                      </p:childTnLst>
+                    </p:cTn>
+                  </p:par>
+                </p:childTnLst>
+              </p:cTn>
+              <p:prevCondLst>
+                <p:cond evt="onPrev" delay="0">
+                  <p:tgtEl>
+                    <p:sldTgt/>
+                  </p:tgtEl>
+                </p:cond>
+              </p:prevCondLst>
+              <p:nextCondLst>
+                <p:cond evt="onNext" delay="0">
+                  <p:tgtEl>
+                    <p:sldTgt/>
+                  </p:tgtEl>
+                </p:cond>
+              </p:nextCondLst>
+            </p:seq>
+          </p:childTnLst>
+        </p:cTn>
+      </p:par>
+    </p:tnLst>
+    <p:bldLst>
+      <p:bldP spid="3" grpId="0" build="p"/>
+    </p:bldLst>
+  </p:timing>
+</p:sld>
+</file>
+
+<file path=ppt/slides/slide4.xml><?xml version="1.0" encoding="utf-8"?>
+<p:sld xmlns:a="http://schemas.openxmlformats.org/drawingml/2006/main" xmlns:r="http://schemas.openxmlformats.org/officeDocument/2006/relationships" xmlns:p="http://schemas.openxmlformats.org/presentationml/2006/main">
+  <p:cSld>
+    <p:spTree>
+      <p:nvGrpSpPr>
+        <p:cNvPr id="1" name=""/>
+        <p:cNvGrpSpPr/>
+        <p:nvPr/>
+      </p:nvGrpSpPr>
+      <p:grpSpPr>
+        <a:xfrm>
+          <a:off x="0" y="0"/>
+          <a:ext cx="0" cy="0"/>
+          <a:chOff x="0" y="0"/>
+          <a:chExt cx="0" cy="0"/>
+        </a:xfrm>
+      </p:grpSpPr>
+      <p:sp>
+        <p:nvSpPr>
+          <p:cNvPr id="2" name="Title 1">
+            <a:extLst>
+              <a:ext uri="{FF2B5EF4-FFF2-40B4-BE49-F238E27FC236}">
+                <a16:creationId xmlns:a16="http://schemas.microsoft.com/office/drawing/2014/main" id="{9C745E9D-9980-4FCD-85C8-8EB4913A5E2D}"/>
+              </a:ext>
+            </a:extLst>
+          </p:cNvPr>
+          <p:cNvSpPr>
+            <a:spLocks noGrp="1"/>
+          </p:cNvSpPr>
+          <p:nvPr>
+            <p:ph type="title"/>
+          </p:nvPr>
+        </p:nvSpPr>
+        <p:spPr/>
+        <p:txBody>
+          <a:bodyPr/>
+          <a:lstStyle/>
+          <a:p>
+            <a:r>
+              <a:rPr lang="en-US" dirty="0"/>
+              <a:t>Navigation</a:t>
+            </a:r>
+          </a:p>
+        </p:txBody>
+      </p:sp>
+      <p:sp>
+        <p:nvSpPr>
+          <p:cNvPr id="3" name="Content Placeholder 2">
+            <a:extLst>
+              <a:ext uri="{FF2B5EF4-FFF2-40B4-BE49-F238E27FC236}">
+                <a16:creationId xmlns:a16="http://schemas.microsoft.com/office/drawing/2014/main" id="{CDEF11DB-1742-4EE1-A735-E454AD4EAF3C}"/>
+              </a:ext>
+            </a:extLst>
+          </p:cNvPr>
+          <p:cNvSpPr>
+            <a:spLocks noGrp="1"/>
+          </p:cNvSpPr>
+          <p:nvPr>
+            <p:ph idx="1"/>
+          </p:nvPr>
+        </p:nvSpPr>
+        <p:spPr/>
+        <p:txBody>
+          <a:bodyPr/>
+          <a:lstStyle/>
+          <a:p>
+            <a:r>
+              <a:rPr lang="en-US" dirty="0"/>
+              <a:t>This app will have a different screen</a:t>
+            </a:r>
+          </a:p>
+          <a:p>
+            <a:r>
+              <a:rPr lang="en-US" dirty="0"/>
+              <a:t>How do we navigate between them?</a:t>
+            </a:r>
+          </a:p>
+        </p:txBody>
+      </p:sp>
+    </p:spTree>
+    <p:extLst>
+      <p:ext uri="{BB962C8B-B14F-4D97-AF65-F5344CB8AC3E}">
+        <p14:creationId xmlns:p14="http://schemas.microsoft.com/office/powerpoint/2010/main" val="3782165192"/>
+      </p:ext>
+    </p:extLst>
+  </p:cSld>
+  <p:clrMapOvr>
+    <a:masterClrMapping/>
+  </p:clrMapOvr>
+  <p:transition spd="slow">
+    <p:push dir="u"/>
+  </p:transition>
+  <p:timing>
+    <p:tnLst>
+      <p:par>
+        <p:cTn id="1" dur="indefinite" restart="never" nodeType="tmRoot">
+          <p:childTnLst>
+            <p:seq concurrent="1" nextAc="seek">
+              <p:cTn id="2" dur="indefinite" nodeType="mainSeq">
+                <p:childTnLst>
+                  <p:par>
+                    <p:cTn id="3" fill="hold">
+                      <p:stCondLst>
+                        <p:cond delay="indefinite"/>
+                      </p:stCondLst>
+                      <p:childTnLst>
+                        <p:par>
+                          <p:cTn id="4" fill="hold">
+                            <p:stCondLst>
+                              <p:cond delay="0"/>
+                            </p:stCondLst>
+                            <p:childTnLst>
+                              <p:par>
+                                <p:cTn id="5" presetID="10" presetClass="entr" presetSubtype="0" fill="hold" grpId="0" nodeType="clickEffect">
+                                  <p:stCondLst>
+                                    <p:cond delay="0"/>
+                                  </p:stCondLst>
+                                  <p:childTnLst>
+                                    <p:set>
+                                      <p:cBhvr>
+                                        <p:cTn id="6" dur="1" fill="hold">
+                                          <p:stCondLst>
+                                            <p:cond delay="0"/>
+                                          </p:stCondLst>
+                                        </p:cTn>
+                                        <p:tgtEl>
+                                          <p:spTgt spid="3">
+                                            <p:txEl>
+                                              <p:pRg st="0" end="0"/>
+                                            </p:txEl>
+                                          </p:spTgt>
+                                        </p:tgtEl>
+                                        <p:attrNameLst>
+                                          <p:attrName>style.visibility</p:attrName>
+                                        </p:attrNameLst>
+                                      </p:cBhvr>
+                                      <p:to>
+                                        <p:strVal val="visible"/>
+                                      </p:to>
+                                    </p:set>
+                                    <p:animEffect transition="in" filter="fade">
+                                      <p:cBhvr>
+                                        <p:cTn id="7" dur="500"/>
+                                        <p:tgtEl>
+                                          <p:spTgt spid="3">
+                                            <p:txEl>
+                                              <p:pRg st="0" end="0"/>
+                                            </p:txEl>
+                                          </p:spTgt>
+                                        </p:tgtEl>
+                                      </p:cBhvr>
+                                    </p:animEffect>
+                                  </p:childTnLst>
+                                </p:cTn>
+                              </p:par>
+                            </p:childTnLst>
+                          </p:cTn>
+                        </p:par>
+                      </p:childTnLst>
+                    </p:cTn>
+                  </p:par>
+                  <p:par>
+                    <p:cTn id="8" fill="hold">
+                      <p:stCondLst>
+                        <p:cond delay="indefinite"/>
+                      </p:stCondLst>
+                      <p:childTnLst>
+                        <p:par>
+                          <p:cTn id="9" fill="hold">
+                            <p:stCondLst>
+                              <p:cond delay="0"/>
+                            </p:stCondLst>
+                            <p:childTnLst>
+                              <p:par>
+                                <p:cTn id="10" presetID="10" presetClass="entr" presetSubtype="0" fill="hold" grpId="0" nodeType="clickEffect">
+                                  <p:stCondLst>
+                                    <p:cond delay="0"/>
+                                  </p:stCondLst>
+                                  <p:childTnLst>
+                                    <p:set>
+                                      <p:cBhvr>
+                                        <p:cTn id="11" dur="1" fill="hold">
+                                          <p:stCondLst>
+                                            <p:cond delay="0"/>
+                                          </p:stCondLst>
+                                        </p:cTn>
+                                        <p:tgtEl>
+                                          <p:spTgt spid="3">
+                                            <p:txEl>
+                                              <p:pRg st="1" end="1"/>
+                                            </p:txEl>
+                                          </p:spTgt>
+                                        </p:tgtEl>
+                                        <p:attrNameLst>
+                                          <p:attrName>style.visibility</p:attrName>
+                                        </p:attrNameLst>
+                                      </p:cBhvr>
+                                      <p:to>
+                                        <p:strVal val="visible"/>
+                                      </p:to>
+                                    </p:set>
+                                    <p:animEffect transition="in" filter="fade">
+                                      <p:cBhvr>
+                                        <p:cTn id="12" dur="500"/>
+                                        <p:tgtEl>
+                                          <p:spTgt spid="3">
+                                            <p:txEl>
+                                              <p:pRg st="1" end="1"/>
+                                            </p:txEl>
+                                          </p:spTgt>
+                                        </p:tgtEl>
+                                      </p:cBhvr>
+                                    </p:animEffect>
+                                  </p:childTnLst>
+                                </p:cTn>
+                              </p:par>
+                            </p:childTnLst>
+                          </p:cTn>
+                        </p:par>
+                      </p:childTnLst>
+                    </p:cTn>
+                  </p:par>
+                </p:childTnLst>
+              </p:cTn>
+              <p:prevCondLst>
+                <p:cond evt="onPrev" delay="0">
+                  <p:tgtEl>
+                    <p:sldTgt/>
+                  </p:tgtEl>
+                </p:cond>
+              </p:prevCondLst>
+              <p:nextCondLst>
+                <p:cond evt="onNext" delay="0">
+                  <p:tgtEl>
+                    <p:sldTgt/>
+                  </p:tgtEl>
+                </p:cond>
+              </p:nextCondLst>
+            </p:seq>
+          </p:childTnLst>
+        </p:cTn>
+      </p:par>
+    </p:tnLst>
+    <p:bldLst>
+      <p:bldP spid="3" grpId="0" build="p"/>
+    </p:bldLst>
+  </p:timing>
+</p:sld>
+</file>
+
+<file path=ppt/slides/slide5.xml><?xml version="1.0" encoding="utf-8"?>
+<p:sld xmlns:a="http://schemas.openxmlformats.org/drawingml/2006/main" xmlns:r="http://schemas.openxmlformats.org/officeDocument/2006/relationships" xmlns:p="http://schemas.openxmlformats.org/presentationml/2006/main">
+  <p:cSld>
+    <p:spTree>
+      <p:nvGrpSpPr>
+        <p:cNvPr id="1" name=""/>
+        <p:cNvGrpSpPr/>
+        <p:nvPr/>
+      </p:nvGrpSpPr>
+      <p:grpSpPr>
+        <a:xfrm>
+          <a:off x="0" y="0"/>
+          <a:ext cx="0" cy="0"/>
+          <a:chOff x="0" y="0"/>
+          <a:chExt cx="0" cy="0"/>
+        </a:xfrm>
+      </p:grpSpPr>
+      <p:sp>
+        <p:nvSpPr>
+          <p:cNvPr id="2" name="Title 1">
+            <a:extLst>
+              <a:ext uri="{FF2B5EF4-FFF2-40B4-BE49-F238E27FC236}">
+                <a16:creationId xmlns:a16="http://schemas.microsoft.com/office/drawing/2014/main" id="{36392197-310E-4870-8C0D-75D696523930}"/>
+              </a:ext>
+            </a:extLst>
+          </p:cNvPr>
+          <p:cNvSpPr>
+            <a:spLocks noGrp="1"/>
+          </p:cNvSpPr>
+          <p:nvPr>
+            <p:ph type="title"/>
+          </p:nvPr>
+        </p:nvSpPr>
+        <p:spPr/>
+        <p:txBody>
+          <a:bodyPr/>
+          <a:lstStyle/>
+          <a:p>
+            <a:r>
+              <a:rPr lang="en-US" dirty="0"/>
+              <a:t>Header</a:t>
+            </a:r>
+          </a:p>
+        </p:txBody>
+      </p:sp>
+      <p:sp>
+        <p:nvSpPr>
+          <p:cNvPr id="3" name="Content Placeholder 2">
+            <a:extLst>
+              <a:ext uri="{FF2B5EF4-FFF2-40B4-BE49-F238E27FC236}">
+                <a16:creationId xmlns:a16="http://schemas.microsoft.com/office/drawing/2014/main" id="{0E809C87-D60F-4096-B82C-128CEA40FF41}"/>
+              </a:ext>
+            </a:extLst>
+          </p:cNvPr>
+          <p:cNvSpPr>
+            <a:spLocks noGrp="1"/>
+          </p:cNvSpPr>
+          <p:nvPr>
+            <p:ph idx="1"/>
+          </p:nvPr>
+        </p:nvSpPr>
+        <p:spPr/>
+        <p:txBody>
+          <a:bodyPr/>
+          <a:lstStyle/>
+          <a:p>
+            <a:r>
+              <a:rPr lang="en-US" dirty="0"/>
+              <a:t>It looks like, over time, we’ve got an ever changing Header on every screen</a:t>
+            </a:r>
+          </a:p>
+          <a:p>
+            <a:r>
+              <a:rPr lang="en-US" dirty="0"/>
+              <a:t>And for some screen, the header will contain a back button</a:t>
+            </a:r>
+          </a:p>
+          <a:p>
+            <a:r>
+              <a:rPr lang="en-US" dirty="0"/>
+              <a:t>That button will take the user to the previous screen</a:t>
+            </a:r>
+          </a:p>
+          <a:p>
+            <a:r>
+              <a:rPr lang="en-US" dirty="0"/>
+              <a:t>So clearly there’s some further customization of the headers required</a:t>
+            </a:r>
+          </a:p>
+          <a:p>
+            <a:r>
+              <a:rPr lang="en-US" dirty="0"/>
+              <a:t>Managing that header like that, in React Native, is a little bit harder</a:t>
+            </a:r>
+          </a:p>
+        </p:txBody>
+      </p:sp>
+    </p:spTree>
+    <p:extLst>
+      <p:ext uri="{BB962C8B-B14F-4D97-AF65-F5344CB8AC3E}">
+        <p14:creationId xmlns:p14="http://schemas.microsoft.com/office/powerpoint/2010/main" val="878414541"/>
       </p:ext>
     </p:extLst>
   </p:cSld>
@@ -4980,6 +5646,67 @@
                       </p:childTnLst>
                     </p:cTn>
                   </p:par>
+                  <p:par>
+                    <p:cTn id="23" fill="hold">
+                      <p:stCondLst>
+                        <p:cond delay="indefinite"/>
+                      </p:stCondLst>
+                      <p:childTnLst>
+                        <p:par>
+                          <p:cTn id="24" fill="hold">
+                            <p:stCondLst>
+                              <p:cond delay="0"/>
+                            </p:stCondLst>
+                            <p:childTnLst>
+                              <p:par>
+                                <p:cTn id="25" presetID="10" presetClass="entr" presetSubtype="0" fill="hold" grpId="0" nodeType="clickEffect">
+                                  <p:stCondLst>
+                                    <p:cond delay="0"/>
+                                  </p:stCondLst>
+                                  <p:childTnLst>
+                                    <p:set>
+                                      <p:cBhvr>
+                                        <p:cTn id="26" dur="1" fill="hold">
+                                          <p:stCondLst>
+                                            <p:cond delay="0"/>
+                                          </p:stCondLst>
+                                        </p:cTn>
+                                        <p:tgtEl>
+                                          <p:spTgt spid="3">
+                                            <p:txEl>
+                                              <p:pRg st="4" end="4"/>
+                                            </p:txEl>
+                                          </p:spTgt>
+                                        </p:tgtEl>
+                                        <p:attrNameLst>
+                                          <p:attrName>style.visibility</p:attrName>
+                                        </p:attrNameLst>
+                                      </p:cBhvr>
+                                      <p:to>
+                                        <p:strVal val="visible"/>
+                                      </p:to>
+                                    </p:set>
+                                    <p:animEffect transition="in" filter="fade">
+                                      <p:cBhvr>
+                                        <p:cTn id="27" dur="500"/>
+                                        <p:tgtEl>
+                                          <p:spTgt spid="3">
+                                            <p:txEl>
+                                              <p:pRg st="4" end="4"/>
+                                            </p:txEl>
+                                          </p:spTgt>
+                                        </p:tgtEl>
+                                      </p:cBhvr>
+                                    </p:animEffect>
+                                  </p:childTnLst>
+                                </p:cTn>
+                              </p:par>
+                            </p:childTnLst>
+                          </p:cTn>
+                        </p:par>
+                      </p:childTnLst>
+                    </p:cTn>
+                  </p:par>
                 </p:childTnLst>
               </p:cTn>
               <p:prevCondLst>
@@ -5008,7 +5735,7 @@
 </p:sld>
 </file>
 
-<file path=ppt/slides/slide3.xml><?xml version="1.0" encoding="utf-8"?>
+<file path=ppt/slides/slide6.xml><?xml version="1.0" encoding="utf-8"?>
 <p:sld xmlns:a="http://schemas.openxmlformats.org/drawingml/2006/main" xmlns:r="http://schemas.openxmlformats.org/officeDocument/2006/relationships" xmlns:p="http://schemas.openxmlformats.org/presentationml/2006/main">
   <p:cSld>
     <p:spTree>
@@ -5030,7 +5757,7 @@
           <p:cNvPr id="2" name="Title 1">
             <a:extLst>
               <a:ext uri="{FF2B5EF4-FFF2-40B4-BE49-F238E27FC236}">
-                <a16:creationId xmlns:a16="http://schemas.microsoft.com/office/drawing/2014/main" id="{6B47BC0A-07DE-435C-8A37-33080CF73CB4}"/>
+                <a16:creationId xmlns:a16="http://schemas.microsoft.com/office/drawing/2014/main" id="{257B0695-DE67-4CFA-B3EC-0F3561A604F9}"/>
               </a:ext>
             </a:extLst>
           </p:cNvPr>
@@ -5048,7 +5775,7 @@
           <a:p>
             <a:r>
               <a:rPr lang="en-US" dirty="0"/>
-              <a:t>Initialization</a:t>
+              <a:t>Data</a:t>
             </a:r>
           </a:p>
         </p:txBody>
@@ -5058,7 +5785,7 @@
           <p:cNvPr id="3" name="Content Placeholder 2">
             <a:extLst>
               <a:ext uri="{FF2B5EF4-FFF2-40B4-BE49-F238E27FC236}">
-                <a16:creationId xmlns:a16="http://schemas.microsoft.com/office/drawing/2014/main" id="{8A9CF4C1-5EA1-4C7F-82D1-8DD856486CB6}"/>
+                <a16:creationId xmlns:a16="http://schemas.microsoft.com/office/drawing/2014/main" id="{8B797073-BC4F-4404-AC95-6C180AA18C1A}"/>
               </a:ext>
             </a:extLst>
           </p:cNvPr>
@@ -5076,24 +5803,19 @@
           <a:p>
             <a:r>
               <a:rPr lang="en-US" dirty="0"/>
-              <a:t>Create a new React Native App by running a command</a:t>
-            </a:r>
-          </a:p>
-          <a:p>
-            <a:pPr marL="0" indent="0">
-              <a:buNone/>
-            </a:pPr>
+              <a:t>Each users who install the app should have their own private list of employee</a:t>
+            </a:r>
+          </a:p>
+          <a:p>
             <a:r>
               <a:rPr lang="en-US" dirty="0"/>
-              <a:t>react-native </a:t>
-            </a:r>
-            <a:r>
-              <a:rPr lang="en-US" dirty="0" err="1"/>
-              <a:t>init</a:t>
-            </a:r>
+              <a:t>We need to figure out however we saved the data, we need to make sure that we’ve got a good layer of security there </a:t>
+            </a:r>
+          </a:p>
+          <a:p>
             <a:r>
               <a:rPr lang="en-US" dirty="0"/>
-              <a:t> manager</a:t>
+              <a:t>We have to make sure that different users can’t see each other’s employees and modify them in any way</a:t>
             </a:r>
           </a:p>
         </p:txBody>
@@ -5101,201 +5823,7 @@
     </p:spTree>
     <p:extLst>
       <p:ext uri="{BB962C8B-B14F-4D97-AF65-F5344CB8AC3E}">
-        <p14:creationId xmlns:p14="http://schemas.microsoft.com/office/powerpoint/2010/main" val="2198619268"/>
-      </p:ext>
-    </p:extLst>
-  </p:cSld>
-  <p:clrMapOvr>
-    <a:masterClrMapping/>
-  </p:clrMapOvr>
-  <p:transition spd="slow">
-    <p:push dir="u"/>
-  </p:transition>
-</p:sld>
-</file>
-
-<file path=ppt/slides/slide4.xml><?xml version="1.0" encoding="utf-8"?>
-<p:sld xmlns:a="http://schemas.openxmlformats.org/drawingml/2006/main" xmlns:r="http://schemas.openxmlformats.org/officeDocument/2006/relationships" xmlns:p="http://schemas.openxmlformats.org/presentationml/2006/main">
-  <p:cSld>
-    <p:spTree>
-      <p:nvGrpSpPr>
-        <p:cNvPr id="1" name=""/>
-        <p:cNvGrpSpPr/>
-        <p:nvPr/>
-      </p:nvGrpSpPr>
-      <p:grpSpPr>
-        <a:xfrm>
-          <a:off x="0" y="0"/>
-          <a:ext cx="0" cy="0"/>
-          <a:chOff x="0" y="0"/>
-          <a:chExt cx="0" cy="0"/>
-        </a:xfrm>
-      </p:grpSpPr>
-      <p:sp>
-        <p:nvSpPr>
-          <p:cNvPr id="2" name="Title 1">
-            <a:extLst>
-              <a:ext uri="{FF2B5EF4-FFF2-40B4-BE49-F238E27FC236}">
-                <a16:creationId xmlns:a16="http://schemas.microsoft.com/office/drawing/2014/main" id="{AC12E869-68CC-4554-BA9F-006E1EB796EF}"/>
-              </a:ext>
-            </a:extLst>
-          </p:cNvPr>
-          <p:cNvSpPr>
-            <a:spLocks noGrp="1"/>
-          </p:cNvSpPr>
-          <p:nvPr>
-            <p:ph type="title"/>
-          </p:nvPr>
-        </p:nvSpPr>
-        <p:spPr/>
-        <p:txBody>
-          <a:bodyPr/>
-          <a:lstStyle/>
-          <a:p>
-            <a:r>
-              <a:rPr lang="en-US" dirty="0"/>
-              <a:t>The Mockup</a:t>
-            </a:r>
-          </a:p>
-        </p:txBody>
-      </p:sp>
-      <p:pic>
-        <p:nvPicPr>
-          <p:cNvPr id="4" name="Content Placeholder 3">
-            <a:extLst>
-              <a:ext uri="{FF2B5EF4-FFF2-40B4-BE49-F238E27FC236}">
-                <a16:creationId xmlns:a16="http://schemas.microsoft.com/office/drawing/2014/main" id="{3BF734A1-E3FD-4DA4-811A-EBEA93C3175F}"/>
-              </a:ext>
-            </a:extLst>
-          </p:cNvPr>
-          <p:cNvPicPr>
-            <a:picLocks noGrp="1" noChangeAspect="1"/>
-          </p:cNvPicPr>
-          <p:nvPr>
-            <p:ph idx="1"/>
-          </p:nvPr>
-        </p:nvPicPr>
-        <p:blipFill>
-          <a:blip r:embed="rId2"/>
-          <a:stretch>
-            <a:fillRect/>
-          </a:stretch>
-        </p:blipFill>
-        <p:spPr>
-          <a:xfrm>
-            <a:off x="628650" y="1945292"/>
-            <a:ext cx="7886700" cy="3929440"/>
-          </a:xfrm>
-          <a:prstGeom prst="rect">
-            <a:avLst/>
-          </a:prstGeom>
-        </p:spPr>
-      </p:pic>
-    </p:spTree>
-    <p:extLst>
-      <p:ext uri="{BB962C8B-B14F-4D97-AF65-F5344CB8AC3E}">
-        <p14:creationId xmlns:p14="http://schemas.microsoft.com/office/powerpoint/2010/main" val="3874176871"/>
-      </p:ext>
-    </p:extLst>
-  </p:cSld>
-  <p:clrMapOvr>
-    <a:masterClrMapping/>
-  </p:clrMapOvr>
-  <p:transition spd="slow">
-    <p:push dir="u"/>
-  </p:transition>
-</p:sld>
-</file>
-
-<file path=ppt/slides/slide5.xml><?xml version="1.0" encoding="utf-8"?>
-<p:sld xmlns:a="http://schemas.openxmlformats.org/drawingml/2006/main" xmlns:r="http://schemas.openxmlformats.org/officeDocument/2006/relationships" xmlns:p="http://schemas.openxmlformats.org/presentationml/2006/main">
-  <p:cSld>
-    <p:spTree>
-      <p:nvGrpSpPr>
-        <p:cNvPr id="1" name=""/>
-        <p:cNvGrpSpPr/>
-        <p:nvPr/>
-      </p:nvGrpSpPr>
-      <p:grpSpPr>
-        <a:xfrm>
-          <a:off x="0" y="0"/>
-          <a:ext cx="0" cy="0"/>
-          <a:chOff x="0" y="0"/>
-          <a:chExt cx="0" cy="0"/>
-        </a:xfrm>
-      </p:grpSpPr>
-      <p:sp>
-        <p:nvSpPr>
-          <p:cNvPr id="2" name="Title 1">
-            <a:extLst>
-              <a:ext uri="{FF2B5EF4-FFF2-40B4-BE49-F238E27FC236}">
-                <a16:creationId xmlns:a16="http://schemas.microsoft.com/office/drawing/2014/main" id="{DEBD8494-38A1-4236-8805-1D75E30497AF}"/>
-              </a:ext>
-            </a:extLst>
-          </p:cNvPr>
-          <p:cNvSpPr>
-            <a:spLocks noGrp="1"/>
-          </p:cNvSpPr>
-          <p:nvPr>
-            <p:ph type="title"/>
-          </p:nvPr>
-        </p:nvSpPr>
-        <p:spPr/>
-        <p:txBody>
-          <a:bodyPr/>
-          <a:lstStyle/>
-          <a:p>
-            <a:r>
-              <a:rPr lang="en-US" dirty="0"/>
-              <a:t>The Idea</a:t>
-            </a:r>
-          </a:p>
-        </p:txBody>
-      </p:sp>
-      <p:sp>
-        <p:nvSpPr>
-          <p:cNvPr id="3" name="Content Placeholder 2">
-            <a:extLst>
-              <a:ext uri="{FF2B5EF4-FFF2-40B4-BE49-F238E27FC236}">
-                <a16:creationId xmlns:a16="http://schemas.microsoft.com/office/drawing/2014/main" id="{50E62F85-1BF4-4E0B-AD06-4A63733FB72B}"/>
-              </a:ext>
-            </a:extLst>
-          </p:cNvPr>
-          <p:cNvSpPr>
-            <a:spLocks noGrp="1"/>
-          </p:cNvSpPr>
-          <p:nvPr>
-            <p:ph idx="1"/>
-          </p:nvPr>
-        </p:nvSpPr>
-        <p:spPr/>
-        <p:txBody>
-          <a:bodyPr/>
-          <a:lstStyle/>
-          <a:p>
-            <a:r>
-              <a:rPr lang="en-US" dirty="0"/>
-              <a:t>The idea behind this app is that a manager of a small business can add their employees</a:t>
-            </a:r>
-          </a:p>
-          <a:p>
-            <a:r>
-              <a:rPr lang="en-US" dirty="0"/>
-              <a:t>We can then schedule a work shift and then text that schedule to that particular employee</a:t>
-            </a:r>
-          </a:p>
-          <a:p>
-            <a:r>
-              <a:rPr lang="en-US" dirty="0"/>
-              <a:t>And we can fire a particular employee and delete their data from the database</a:t>
-            </a:r>
-          </a:p>
-        </p:txBody>
-      </p:sp>
-    </p:spTree>
-    <p:extLst>
-      <p:ext uri="{BB962C8B-B14F-4D97-AF65-F5344CB8AC3E}">
-        <p14:creationId xmlns:p14="http://schemas.microsoft.com/office/powerpoint/2010/main" val="3059965504"/>
+        <p14:creationId xmlns:p14="http://schemas.microsoft.com/office/powerpoint/2010/main" val="2610125244"/>
       </p:ext>
     </p:extLst>
   </p:cSld>
@@ -5524,7 +6052,7 @@
 </p:sld>
 </file>
 
-<file path=ppt/slides/slide6.xml><?xml version="1.0" encoding="utf-8"?>
+<file path=ppt/slides/slide7.xml><?xml version="1.0" encoding="utf-8"?>
 <p:sld xmlns:a="http://schemas.openxmlformats.org/drawingml/2006/main" xmlns:r="http://schemas.openxmlformats.org/officeDocument/2006/relationships" xmlns:p="http://schemas.openxmlformats.org/presentationml/2006/main">
   <p:cSld>
     <p:spTree>
@@ -5546,7 +6074,7 @@
           <p:cNvPr id="2" name="Title 1">
             <a:extLst>
               <a:ext uri="{FF2B5EF4-FFF2-40B4-BE49-F238E27FC236}">
-                <a16:creationId xmlns:a16="http://schemas.microsoft.com/office/drawing/2014/main" id="{3E0D2575-D450-4519-A7E4-198F5D55F14A}"/>
+                <a16:creationId xmlns:a16="http://schemas.microsoft.com/office/drawing/2014/main" id="{708CEBF2-77CD-4DE0-B64C-A1CE87AE90A7}"/>
               </a:ext>
             </a:extLst>
           </p:cNvPr>
@@ -5564,7 +6092,7 @@
           <a:p>
             <a:r>
               <a:rPr lang="en-US" dirty="0"/>
-              <a:t>Login Screen</a:t>
+              <a:t>Intent</a:t>
             </a:r>
           </a:p>
         </p:txBody>
@@ -5574,7 +6102,7 @@
           <p:cNvPr id="3" name="Content Placeholder 2">
             <a:extLst>
               <a:ext uri="{FF2B5EF4-FFF2-40B4-BE49-F238E27FC236}">
-                <a16:creationId xmlns:a16="http://schemas.microsoft.com/office/drawing/2014/main" id="{DFE4DA25-3557-4984-B41B-3CA3CEC84B9B}"/>
+                <a16:creationId xmlns:a16="http://schemas.microsoft.com/office/drawing/2014/main" id="{327837D8-C5AF-4B74-B3B5-4D3F3EDBE89D}"/>
               </a:ext>
             </a:extLst>
           </p:cNvPr>
@@ -5585,75 +6113,28 @@
             <p:ph idx="1"/>
           </p:nvPr>
         </p:nvSpPr>
-        <p:spPr>
-          <a:xfrm>
-            <a:off x="628650" y="1825625"/>
-            <a:ext cx="5085763" cy="4168775"/>
-          </a:xfrm>
-        </p:spPr>
+        <p:spPr/>
         <p:txBody>
           <a:bodyPr/>
           <a:lstStyle/>
           <a:p>
             <a:r>
               <a:rPr lang="en-US" dirty="0"/>
-              <a:t>Like before, we’re going to tackle the Authentication here</a:t>
+              <a:t>We need to interface with the phone, somehow, to be able to send a text message</a:t>
             </a:r>
           </a:p>
           <a:p>
             <a:r>
               <a:rPr lang="en-US" dirty="0"/>
-              <a:t>Login screen is going to be just like the one that we made previously</a:t>
-            </a:r>
-          </a:p>
-          <a:p>
-            <a:r>
-              <a:rPr lang="en-US" dirty="0"/>
-              <a:t>A user has to enter an email and password</a:t>
-            </a:r>
-          </a:p>
-          <a:p>
-            <a:r>
-              <a:rPr lang="en-US" dirty="0"/>
-              <a:t>We’re going to use the same trick of not separating a signup screen</a:t>
-            </a:r>
-          </a:p>
-        </p:txBody>
-      </p:sp>
-      <p:pic>
-        <p:nvPicPr>
-          <p:cNvPr id="4" name="Picture 3">
-            <a:extLst>
-              <a:ext uri="{FF2B5EF4-FFF2-40B4-BE49-F238E27FC236}">
-                <a16:creationId xmlns:a16="http://schemas.microsoft.com/office/drawing/2014/main" id="{550357C2-905D-4F3A-A968-681D1ED13FB2}"/>
-              </a:ext>
-            </a:extLst>
-          </p:cNvPr>
-          <p:cNvPicPr>
-            <a:picLocks noChangeAspect="1"/>
-          </p:cNvPicPr>
-          <p:nvPr/>
-        </p:nvPicPr>
-        <p:blipFill>
-          <a:blip r:embed="rId2"/>
-          <a:stretch>
-            <a:fillRect/>
-          </a:stretch>
-        </p:blipFill>
-        <p:spPr>
-          <a:xfrm>
-            <a:off x="5714413" y="0"/>
-            <a:ext cx="3131403" cy="5994400"/>
-          </a:xfrm>
-          <a:prstGeom prst="rect">
-            <a:avLst/>
-          </a:prstGeom>
-        </p:spPr>
-      </p:pic>
+              <a:t>One of the big feature in the app is that after an employee gets a shift set, we need to be able to interface with the phone to send a text message</a:t>
+            </a:r>
+          </a:p>
+        </p:txBody>
+      </p:sp>
     </p:spTree>
     <p:extLst>
       <p:ext uri="{BB962C8B-B14F-4D97-AF65-F5344CB8AC3E}">
-        <p14:creationId xmlns:p14="http://schemas.microsoft.com/office/powerpoint/2010/main" val="3061164192"/>
+        <p14:creationId xmlns:p14="http://schemas.microsoft.com/office/powerpoint/2010/main" val="1404278890"/>
       </p:ext>
     </p:extLst>
   </p:cSld>
@@ -5793,547 +6274,6 @@
                       </p:childTnLst>
                     </p:cTn>
                   </p:par>
-                  <p:par>
-                    <p:cTn id="13" fill="hold">
-                      <p:stCondLst>
-                        <p:cond delay="indefinite"/>
-                      </p:stCondLst>
-                      <p:childTnLst>
-                        <p:par>
-                          <p:cTn id="14" fill="hold">
-                            <p:stCondLst>
-                              <p:cond delay="0"/>
-                            </p:stCondLst>
-                            <p:childTnLst>
-                              <p:par>
-                                <p:cTn id="15" presetID="10" presetClass="entr" presetSubtype="0" fill="hold" grpId="0" nodeType="clickEffect">
-                                  <p:stCondLst>
-                                    <p:cond delay="0"/>
-                                  </p:stCondLst>
-                                  <p:childTnLst>
-                                    <p:set>
-                                      <p:cBhvr>
-                                        <p:cTn id="16" dur="1" fill="hold">
-                                          <p:stCondLst>
-                                            <p:cond delay="0"/>
-                                          </p:stCondLst>
-                                        </p:cTn>
-                                        <p:tgtEl>
-                                          <p:spTgt spid="3">
-                                            <p:txEl>
-                                              <p:pRg st="2" end="2"/>
-                                            </p:txEl>
-                                          </p:spTgt>
-                                        </p:tgtEl>
-                                        <p:attrNameLst>
-                                          <p:attrName>style.visibility</p:attrName>
-                                        </p:attrNameLst>
-                                      </p:cBhvr>
-                                      <p:to>
-                                        <p:strVal val="visible"/>
-                                      </p:to>
-                                    </p:set>
-                                    <p:animEffect transition="in" filter="fade">
-                                      <p:cBhvr>
-                                        <p:cTn id="17" dur="500"/>
-                                        <p:tgtEl>
-                                          <p:spTgt spid="3">
-                                            <p:txEl>
-                                              <p:pRg st="2" end="2"/>
-                                            </p:txEl>
-                                          </p:spTgt>
-                                        </p:tgtEl>
-                                      </p:cBhvr>
-                                    </p:animEffect>
-                                  </p:childTnLst>
-                                </p:cTn>
-                              </p:par>
-                            </p:childTnLst>
-                          </p:cTn>
-                        </p:par>
-                      </p:childTnLst>
-                    </p:cTn>
-                  </p:par>
-                  <p:par>
-                    <p:cTn id="18" fill="hold">
-                      <p:stCondLst>
-                        <p:cond delay="indefinite"/>
-                      </p:stCondLst>
-                      <p:childTnLst>
-                        <p:par>
-                          <p:cTn id="19" fill="hold">
-                            <p:stCondLst>
-                              <p:cond delay="0"/>
-                            </p:stCondLst>
-                            <p:childTnLst>
-                              <p:par>
-                                <p:cTn id="20" presetID="10" presetClass="entr" presetSubtype="0" fill="hold" grpId="0" nodeType="clickEffect">
-                                  <p:stCondLst>
-                                    <p:cond delay="0"/>
-                                  </p:stCondLst>
-                                  <p:childTnLst>
-                                    <p:set>
-                                      <p:cBhvr>
-                                        <p:cTn id="21" dur="1" fill="hold">
-                                          <p:stCondLst>
-                                            <p:cond delay="0"/>
-                                          </p:stCondLst>
-                                        </p:cTn>
-                                        <p:tgtEl>
-                                          <p:spTgt spid="3">
-                                            <p:txEl>
-                                              <p:pRg st="3" end="3"/>
-                                            </p:txEl>
-                                          </p:spTgt>
-                                        </p:tgtEl>
-                                        <p:attrNameLst>
-                                          <p:attrName>style.visibility</p:attrName>
-                                        </p:attrNameLst>
-                                      </p:cBhvr>
-                                      <p:to>
-                                        <p:strVal val="visible"/>
-                                      </p:to>
-                                    </p:set>
-                                    <p:animEffect transition="in" filter="fade">
-                                      <p:cBhvr>
-                                        <p:cTn id="22" dur="500"/>
-                                        <p:tgtEl>
-                                          <p:spTgt spid="3">
-                                            <p:txEl>
-                                              <p:pRg st="3" end="3"/>
-                                            </p:txEl>
-                                          </p:spTgt>
-                                        </p:tgtEl>
-                                      </p:cBhvr>
-                                    </p:animEffect>
-                                  </p:childTnLst>
-                                </p:cTn>
-                              </p:par>
-                            </p:childTnLst>
-                          </p:cTn>
-                        </p:par>
-                      </p:childTnLst>
-                    </p:cTn>
-                  </p:par>
-                </p:childTnLst>
-              </p:cTn>
-              <p:prevCondLst>
-                <p:cond evt="onPrev" delay="0">
-                  <p:tgtEl>
-                    <p:sldTgt/>
-                  </p:tgtEl>
-                </p:cond>
-              </p:prevCondLst>
-              <p:nextCondLst>
-                <p:cond evt="onNext" delay="0">
-                  <p:tgtEl>
-                    <p:sldTgt/>
-                  </p:tgtEl>
-                </p:cond>
-              </p:nextCondLst>
-            </p:seq>
-          </p:childTnLst>
-        </p:cTn>
-      </p:par>
-    </p:tnLst>
-    <p:bldLst>
-      <p:bldP spid="3" grpId="0" build="p"/>
-    </p:bldLst>
-  </p:timing>
-</p:sld>
-</file>
-
-<file path=ppt/slides/slide7.xml><?xml version="1.0" encoding="utf-8"?>
-<p:sld xmlns:a="http://schemas.openxmlformats.org/drawingml/2006/main" xmlns:r="http://schemas.openxmlformats.org/officeDocument/2006/relationships" xmlns:p="http://schemas.openxmlformats.org/presentationml/2006/main">
-  <p:cSld>
-    <p:spTree>
-      <p:nvGrpSpPr>
-        <p:cNvPr id="1" name=""/>
-        <p:cNvGrpSpPr/>
-        <p:nvPr/>
-      </p:nvGrpSpPr>
-      <p:grpSpPr>
-        <a:xfrm>
-          <a:off x="0" y="0"/>
-          <a:ext cx="0" cy="0"/>
-          <a:chOff x="0" y="0"/>
-          <a:chExt cx="0" cy="0"/>
-        </a:xfrm>
-      </p:grpSpPr>
-      <p:sp>
-        <p:nvSpPr>
-          <p:cNvPr id="2" name="Title 1">
-            <a:extLst>
-              <a:ext uri="{FF2B5EF4-FFF2-40B4-BE49-F238E27FC236}">
-                <a16:creationId xmlns:a16="http://schemas.microsoft.com/office/drawing/2014/main" id="{3E0D2575-D450-4519-A7E4-198F5D55F14A}"/>
-              </a:ext>
-            </a:extLst>
-          </p:cNvPr>
-          <p:cNvSpPr>
-            <a:spLocks noGrp="1"/>
-          </p:cNvSpPr>
-          <p:nvPr>
-            <p:ph type="title"/>
-          </p:nvPr>
-        </p:nvSpPr>
-        <p:spPr/>
-        <p:txBody>
-          <a:bodyPr/>
-          <a:lstStyle/>
-          <a:p>
-            <a:r>
-              <a:rPr lang="en-US" dirty="0"/>
-              <a:t>Employee List Screen</a:t>
-            </a:r>
-          </a:p>
-        </p:txBody>
-      </p:sp>
-      <p:sp>
-        <p:nvSpPr>
-          <p:cNvPr id="3" name="Content Placeholder 2">
-            <a:extLst>
-              <a:ext uri="{FF2B5EF4-FFF2-40B4-BE49-F238E27FC236}">
-                <a16:creationId xmlns:a16="http://schemas.microsoft.com/office/drawing/2014/main" id="{DFE4DA25-3557-4984-B41B-3CA3CEC84B9B}"/>
-              </a:ext>
-            </a:extLst>
-          </p:cNvPr>
-          <p:cNvSpPr>
-            <a:spLocks noGrp="1"/>
-          </p:cNvSpPr>
-          <p:nvPr>
-            <p:ph idx="1"/>
-          </p:nvPr>
-        </p:nvSpPr>
-        <p:spPr>
-          <a:xfrm>
-            <a:off x="628650" y="1825625"/>
-            <a:ext cx="5085763" cy="4168775"/>
-          </a:xfrm>
-        </p:spPr>
-        <p:txBody>
-          <a:bodyPr/>
-          <a:lstStyle/>
-          <a:p>
-            <a:r>
-              <a:rPr lang="en-US" dirty="0"/>
-              <a:t>It will display a list of all different employees that they have</a:t>
-            </a:r>
-          </a:p>
-          <a:p>
-            <a:r>
-              <a:rPr lang="en-US" dirty="0"/>
-              <a:t>This list screen is going to start off as empty</a:t>
-            </a:r>
-          </a:p>
-          <a:p>
-            <a:r>
-              <a:rPr lang="en-US" dirty="0"/>
-              <a:t>By default user does not have any employee</a:t>
-            </a:r>
-          </a:p>
-          <a:p>
-            <a:r>
-              <a:rPr lang="en-US" dirty="0"/>
-              <a:t>Only after they start adding employees will they be able to see them on the list</a:t>
-            </a:r>
-          </a:p>
-        </p:txBody>
-      </p:sp>
-      <p:pic>
-        <p:nvPicPr>
-          <p:cNvPr id="5" name="Picture 4">
-            <a:extLst>
-              <a:ext uri="{FF2B5EF4-FFF2-40B4-BE49-F238E27FC236}">
-                <a16:creationId xmlns:a16="http://schemas.microsoft.com/office/drawing/2014/main" id="{6CA9C5B3-CC2B-4A98-A4E2-BA64B40EEFC0}"/>
-              </a:ext>
-            </a:extLst>
-          </p:cNvPr>
-          <p:cNvPicPr>
-            <a:picLocks noChangeAspect="1"/>
-          </p:cNvPicPr>
-          <p:nvPr/>
-        </p:nvPicPr>
-        <p:blipFill>
-          <a:blip r:embed="rId2"/>
-          <a:stretch>
-            <a:fillRect/>
-          </a:stretch>
-        </p:blipFill>
-        <p:spPr>
-          <a:xfrm>
-            <a:off x="5714412" y="0"/>
-            <a:ext cx="3143131" cy="5994400"/>
-          </a:xfrm>
-          <a:prstGeom prst="rect">
-            <a:avLst/>
-          </a:prstGeom>
-        </p:spPr>
-      </p:pic>
-    </p:spTree>
-    <p:extLst>
-      <p:ext uri="{BB962C8B-B14F-4D97-AF65-F5344CB8AC3E}">
-        <p14:creationId xmlns:p14="http://schemas.microsoft.com/office/powerpoint/2010/main" val="244681059"/>
-      </p:ext>
-    </p:extLst>
-  </p:cSld>
-  <p:clrMapOvr>
-    <a:masterClrMapping/>
-  </p:clrMapOvr>
-  <p:transition spd="slow">
-    <p:push dir="u"/>
-  </p:transition>
-  <p:timing>
-    <p:tnLst>
-      <p:par>
-        <p:cTn id="1" dur="indefinite" restart="never" nodeType="tmRoot">
-          <p:childTnLst>
-            <p:seq concurrent="1" nextAc="seek">
-              <p:cTn id="2" dur="indefinite" nodeType="mainSeq">
-                <p:childTnLst>
-                  <p:par>
-                    <p:cTn id="3" fill="hold">
-                      <p:stCondLst>
-                        <p:cond delay="indefinite"/>
-                      </p:stCondLst>
-                      <p:childTnLst>
-                        <p:par>
-                          <p:cTn id="4" fill="hold">
-                            <p:stCondLst>
-                              <p:cond delay="0"/>
-                            </p:stCondLst>
-                            <p:childTnLst>
-                              <p:par>
-                                <p:cTn id="5" presetID="10" presetClass="entr" presetSubtype="0" fill="hold" grpId="0" nodeType="clickEffect">
-                                  <p:stCondLst>
-                                    <p:cond delay="0"/>
-                                  </p:stCondLst>
-                                  <p:childTnLst>
-                                    <p:set>
-                                      <p:cBhvr>
-                                        <p:cTn id="6" dur="1" fill="hold">
-                                          <p:stCondLst>
-                                            <p:cond delay="0"/>
-                                          </p:stCondLst>
-                                        </p:cTn>
-                                        <p:tgtEl>
-                                          <p:spTgt spid="3">
-                                            <p:txEl>
-                                              <p:pRg st="0" end="0"/>
-                                            </p:txEl>
-                                          </p:spTgt>
-                                        </p:tgtEl>
-                                        <p:attrNameLst>
-                                          <p:attrName>style.visibility</p:attrName>
-                                        </p:attrNameLst>
-                                      </p:cBhvr>
-                                      <p:to>
-                                        <p:strVal val="visible"/>
-                                      </p:to>
-                                    </p:set>
-                                    <p:animEffect transition="in" filter="fade">
-                                      <p:cBhvr>
-                                        <p:cTn id="7" dur="500"/>
-                                        <p:tgtEl>
-                                          <p:spTgt spid="3">
-                                            <p:txEl>
-                                              <p:pRg st="0" end="0"/>
-                                            </p:txEl>
-                                          </p:spTgt>
-                                        </p:tgtEl>
-                                      </p:cBhvr>
-                                    </p:animEffect>
-                                  </p:childTnLst>
-                                </p:cTn>
-                              </p:par>
-                            </p:childTnLst>
-                          </p:cTn>
-                        </p:par>
-                      </p:childTnLst>
-                    </p:cTn>
-                  </p:par>
-                  <p:par>
-                    <p:cTn id="8" fill="hold">
-                      <p:stCondLst>
-                        <p:cond delay="indefinite"/>
-                      </p:stCondLst>
-                      <p:childTnLst>
-                        <p:par>
-                          <p:cTn id="9" fill="hold">
-                            <p:stCondLst>
-                              <p:cond delay="0"/>
-                            </p:stCondLst>
-                            <p:childTnLst>
-                              <p:par>
-                                <p:cTn id="10" presetID="10" presetClass="entr" presetSubtype="0" fill="hold" grpId="0" nodeType="clickEffect">
-                                  <p:stCondLst>
-                                    <p:cond delay="0"/>
-                                  </p:stCondLst>
-                                  <p:childTnLst>
-                                    <p:set>
-                                      <p:cBhvr>
-                                        <p:cTn id="11" dur="1" fill="hold">
-                                          <p:stCondLst>
-                                            <p:cond delay="0"/>
-                                          </p:stCondLst>
-                                        </p:cTn>
-                                        <p:tgtEl>
-                                          <p:spTgt spid="3">
-                                            <p:txEl>
-                                              <p:pRg st="1" end="1"/>
-                                            </p:txEl>
-                                          </p:spTgt>
-                                        </p:tgtEl>
-                                        <p:attrNameLst>
-                                          <p:attrName>style.visibility</p:attrName>
-                                        </p:attrNameLst>
-                                      </p:cBhvr>
-                                      <p:to>
-                                        <p:strVal val="visible"/>
-                                      </p:to>
-                                    </p:set>
-                                    <p:animEffect transition="in" filter="fade">
-                                      <p:cBhvr>
-                                        <p:cTn id="12" dur="500"/>
-                                        <p:tgtEl>
-                                          <p:spTgt spid="3">
-                                            <p:txEl>
-                                              <p:pRg st="1" end="1"/>
-                                            </p:txEl>
-                                          </p:spTgt>
-                                        </p:tgtEl>
-                                      </p:cBhvr>
-                                    </p:animEffect>
-                                  </p:childTnLst>
-                                </p:cTn>
-                              </p:par>
-                            </p:childTnLst>
-                          </p:cTn>
-                        </p:par>
-                      </p:childTnLst>
-                    </p:cTn>
-                  </p:par>
-                  <p:par>
-                    <p:cTn id="13" fill="hold">
-                      <p:stCondLst>
-                        <p:cond delay="indefinite"/>
-                      </p:stCondLst>
-                      <p:childTnLst>
-                        <p:par>
-                          <p:cTn id="14" fill="hold">
-                            <p:stCondLst>
-                              <p:cond delay="0"/>
-                            </p:stCondLst>
-                            <p:childTnLst>
-                              <p:par>
-                                <p:cTn id="15" presetID="10" presetClass="entr" presetSubtype="0" fill="hold" grpId="0" nodeType="clickEffect">
-                                  <p:stCondLst>
-                                    <p:cond delay="0"/>
-                                  </p:stCondLst>
-                                  <p:childTnLst>
-                                    <p:set>
-                                      <p:cBhvr>
-                                        <p:cTn id="16" dur="1" fill="hold">
-                                          <p:stCondLst>
-                                            <p:cond delay="0"/>
-                                          </p:stCondLst>
-                                        </p:cTn>
-                                        <p:tgtEl>
-                                          <p:spTgt spid="3">
-                                            <p:txEl>
-                                              <p:pRg st="2" end="2"/>
-                                            </p:txEl>
-                                          </p:spTgt>
-                                        </p:tgtEl>
-                                        <p:attrNameLst>
-                                          <p:attrName>style.visibility</p:attrName>
-                                        </p:attrNameLst>
-                                      </p:cBhvr>
-                                      <p:to>
-                                        <p:strVal val="visible"/>
-                                      </p:to>
-                                    </p:set>
-                                    <p:animEffect transition="in" filter="fade">
-                                      <p:cBhvr>
-                                        <p:cTn id="17" dur="500"/>
-                                        <p:tgtEl>
-                                          <p:spTgt spid="3">
-                                            <p:txEl>
-                                              <p:pRg st="2" end="2"/>
-                                            </p:txEl>
-                                          </p:spTgt>
-                                        </p:tgtEl>
-                                      </p:cBhvr>
-                                    </p:animEffect>
-                                  </p:childTnLst>
-                                </p:cTn>
-                              </p:par>
-                            </p:childTnLst>
-                          </p:cTn>
-                        </p:par>
-                      </p:childTnLst>
-                    </p:cTn>
-                  </p:par>
-                  <p:par>
-                    <p:cTn id="18" fill="hold">
-                      <p:stCondLst>
-                        <p:cond delay="indefinite"/>
-                      </p:stCondLst>
-                      <p:childTnLst>
-                        <p:par>
-                          <p:cTn id="19" fill="hold">
-                            <p:stCondLst>
-                              <p:cond delay="0"/>
-                            </p:stCondLst>
-                            <p:childTnLst>
-                              <p:par>
-                                <p:cTn id="20" presetID="10" presetClass="entr" presetSubtype="0" fill="hold" grpId="0" nodeType="clickEffect">
-                                  <p:stCondLst>
-                                    <p:cond delay="0"/>
-                                  </p:stCondLst>
-                                  <p:childTnLst>
-                                    <p:set>
-                                      <p:cBhvr>
-                                        <p:cTn id="21" dur="1" fill="hold">
-                                          <p:stCondLst>
-                                            <p:cond delay="0"/>
-                                          </p:stCondLst>
-                                        </p:cTn>
-                                        <p:tgtEl>
-                                          <p:spTgt spid="3">
-                                            <p:txEl>
-                                              <p:pRg st="3" end="3"/>
-                                            </p:txEl>
-                                          </p:spTgt>
-                                        </p:tgtEl>
-                                        <p:attrNameLst>
-                                          <p:attrName>style.visibility</p:attrName>
-                                        </p:attrNameLst>
-                                      </p:cBhvr>
-                                      <p:to>
-                                        <p:strVal val="visible"/>
-                                      </p:to>
-                                    </p:set>
-                                    <p:animEffect transition="in" filter="fade">
-                                      <p:cBhvr>
-                                        <p:cTn id="22" dur="500"/>
-                                        <p:tgtEl>
-                                          <p:spTgt spid="3">
-                                            <p:txEl>
-                                              <p:pRg st="3" end="3"/>
-                                            </p:txEl>
-                                          </p:spTgt>
-                                        </p:tgtEl>
-                                      </p:cBhvr>
-                                    </p:animEffect>
-                                  </p:childTnLst>
-                                </p:cTn>
-                              </p:par>
-                            </p:childTnLst>
-                          </p:cTn>
-                        </p:par>
-                      </p:childTnLst>
-                    </p:cTn>
-                  </p:par>
                 </p:childTnLst>
               </p:cTn>
               <p:prevCondLst>
@@ -6384,7 +6324,7 @@
           <p:cNvPr id="2" name="Title 1">
             <a:extLst>
               <a:ext uri="{FF2B5EF4-FFF2-40B4-BE49-F238E27FC236}">
-                <a16:creationId xmlns:a16="http://schemas.microsoft.com/office/drawing/2014/main" id="{3E0D2575-D450-4519-A7E4-198F5D55F14A}"/>
+                <a16:creationId xmlns:a16="http://schemas.microsoft.com/office/drawing/2014/main" id="{81314BFD-F0EF-48C2-9FC3-8DC7150DE5C2}"/>
               </a:ext>
             </a:extLst>
           </p:cNvPr>
@@ -6402,7 +6342,7 @@
           <a:p>
             <a:r>
               <a:rPr lang="en-US" dirty="0"/>
-              <a:t>Create-Edit Screen</a:t>
+              <a:t>Modal</a:t>
             </a:r>
           </a:p>
         </p:txBody>
@@ -6412,7 +6352,7 @@
           <p:cNvPr id="3" name="Content Placeholder 2">
             <a:extLst>
               <a:ext uri="{FF2B5EF4-FFF2-40B4-BE49-F238E27FC236}">
-                <a16:creationId xmlns:a16="http://schemas.microsoft.com/office/drawing/2014/main" id="{DFE4DA25-3557-4984-B41B-3CA3CEC84B9B}"/>
+                <a16:creationId xmlns:a16="http://schemas.microsoft.com/office/drawing/2014/main" id="{113E2BCB-5A73-4801-BA1D-FE8CA3C34445}"/>
               </a:ext>
             </a:extLst>
           </p:cNvPr>
@@ -6423,63 +6363,28 @@
             <p:ph idx="1"/>
           </p:nvPr>
         </p:nvSpPr>
-        <p:spPr>
-          <a:xfrm>
-            <a:off x="628650" y="1825625"/>
-            <a:ext cx="5085763" cy="4168775"/>
-          </a:xfrm>
-        </p:spPr>
+        <p:spPr/>
         <p:txBody>
           <a:bodyPr/>
           <a:lstStyle/>
           <a:p>
             <a:r>
               <a:rPr lang="en-US" dirty="0"/>
-              <a:t>This screen has a dual purpose</a:t>
+              <a:t>We need, like, a big full screen overlay like a modal popup</a:t>
             </a:r>
           </a:p>
           <a:p>
             <a:r>
               <a:rPr lang="en-US" dirty="0"/>
-              <a:t>It will be used for both creating and editing existing employee</a:t>
-            </a:r>
-          </a:p>
-        </p:txBody>
-      </p:sp>
-      <p:pic>
-        <p:nvPicPr>
-          <p:cNvPr id="4" name="Picture 3">
-            <a:extLst>
-              <a:ext uri="{FF2B5EF4-FFF2-40B4-BE49-F238E27FC236}">
-                <a16:creationId xmlns:a16="http://schemas.microsoft.com/office/drawing/2014/main" id="{02235300-E523-4477-A4C2-E34C87836CC5}"/>
-              </a:ext>
-            </a:extLst>
-          </p:cNvPr>
-          <p:cNvPicPr>
-            <a:picLocks noChangeAspect="1"/>
-          </p:cNvPicPr>
-          <p:nvPr/>
-        </p:nvPicPr>
-        <p:blipFill>
-          <a:blip r:embed="rId2"/>
-          <a:stretch>
-            <a:fillRect/>
-          </a:stretch>
-        </p:blipFill>
-        <p:spPr>
-          <a:xfrm>
-            <a:off x="5714413" y="0"/>
-            <a:ext cx="3058824" cy="5994400"/>
-          </a:xfrm>
-          <a:prstGeom prst="rect">
-            <a:avLst/>
-          </a:prstGeom>
-        </p:spPr>
-      </p:pic>
+              <a:t>Something to prompt a user and ask user to confirm something</a:t>
+            </a:r>
+          </a:p>
+        </p:txBody>
+      </p:sp>
     </p:spTree>
     <p:extLst>
       <p:ext uri="{BB962C8B-B14F-4D97-AF65-F5344CB8AC3E}">
-        <p14:creationId xmlns:p14="http://schemas.microsoft.com/office/powerpoint/2010/main" val="4257179900"/>
+        <p14:creationId xmlns:p14="http://schemas.microsoft.com/office/powerpoint/2010/main" val="2151526864"/>
       </p:ext>
     </p:extLst>
   </p:cSld>
@@ -6669,7 +6574,7 @@
           <p:cNvPr id="2" name="Title 1">
             <a:extLst>
               <a:ext uri="{FF2B5EF4-FFF2-40B4-BE49-F238E27FC236}">
-                <a16:creationId xmlns:a16="http://schemas.microsoft.com/office/drawing/2014/main" id="{3E0D2575-D450-4519-A7E4-198F5D55F14A}"/>
+                <a16:creationId xmlns:a16="http://schemas.microsoft.com/office/drawing/2014/main" id="{81314BFD-F0EF-48C2-9FC3-8DC7150DE5C2}"/>
               </a:ext>
             </a:extLst>
           </p:cNvPr>
@@ -6687,7 +6592,7 @@
           <a:p>
             <a:r>
               <a:rPr lang="en-US" dirty="0"/>
-              <a:t>Pop Up Screen</a:t>
+              <a:t>Modal</a:t>
             </a:r>
           </a:p>
         </p:txBody>
@@ -6697,7 +6602,7 @@
           <p:cNvPr id="3" name="Content Placeholder 2">
             <a:extLst>
               <a:ext uri="{FF2B5EF4-FFF2-40B4-BE49-F238E27FC236}">
-                <a16:creationId xmlns:a16="http://schemas.microsoft.com/office/drawing/2014/main" id="{DFE4DA25-3557-4984-B41B-3CA3CEC84B9B}"/>
+                <a16:creationId xmlns:a16="http://schemas.microsoft.com/office/drawing/2014/main" id="{113E2BCB-5A73-4801-BA1D-FE8CA3C34445}"/>
               </a:ext>
             </a:extLst>
           </p:cNvPr>
@@ -6708,63 +6613,28 @@
             <p:ph idx="1"/>
           </p:nvPr>
         </p:nvSpPr>
-        <p:spPr>
-          <a:xfrm>
-            <a:off x="628650" y="1825625"/>
-            <a:ext cx="5085763" cy="4168775"/>
-          </a:xfrm>
-        </p:spPr>
+        <p:spPr/>
         <p:txBody>
           <a:bodyPr/>
           <a:lstStyle/>
           <a:p>
             <a:r>
               <a:rPr lang="en-US" dirty="0"/>
-              <a:t>If the managers decide that they want to remove an employee, we’re going to show a big modal message</a:t>
+              <a:t>Android and iOS devices have some default confirm message that we could use</a:t>
             </a:r>
           </a:p>
           <a:p>
             <a:r>
               <a:rPr lang="en-US" dirty="0"/>
-              <a:t>It will make sure if they still want to do the request (to fire the employee)</a:t>
-            </a:r>
-          </a:p>
-        </p:txBody>
-      </p:sp>
-      <p:pic>
-        <p:nvPicPr>
-          <p:cNvPr id="5" name="Picture 4">
-            <a:extLst>
-              <a:ext uri="{FF2B5EF4-FFF2-40B4-BE49-F238E27FC236}">
-                <a16:creationId xmlns:a16="http://schemas.microsoft.com/office/drawing/2014/main" id="{1E8019AE-273F-4466-8334-B53BF101BD34}"/>
-              </a:ext>
-            </a:extLst>
-          </p:cNvPr>
-          <p:cNvPicPr>
-            <a:picLocks noChangeAspect="1"/>
-          </p:cNvPicPr>
-          <p:nvPr/>
-        </p:nvPicPr>
-        <p:blipFill>
-          <a:blip r:embed="rId2"/>
-          <a:stretch>
-            <a:fillRect/>
-          </a:stretch>
-        </p:blipFill>
-        <p:spPr>
-          <a:xfrm>
-            <a:off x="5714413" y="179601"/>
-            <a:ext cx="2951285" cy="5814799"/>
-          </a:xfrm>
-          <a:prstGeom prst="rect">
-            <a:avLst/>
-          </a:prstGeom>
-        </p:spPr>
-      </p:pic>
+              <a:t>And we can style to make a nicer-looking mod</a:t>
+            </a:r>
+          </a:p>
+        </p:txBody>
+      </p:sp>
     </p:spTree>
     <p:extLst>
       <p:ext uri="{BB962C8B-B14F-4D97-AF65-F5344CB8AC3E}">
-        <p14:creationId xmlns:p14="http://schemas.microsoft.com/office/powerpoint/2010/main" val="3536659087"/>
+        <p14:creationId xmlns:p14="http://schemas.microsoft.com/office/powerpoint/2010/main" val="1007636111"/>
       </p:ext>
     </p:extLst>
   </p:cSld>
